--- a/Presentación Eva/PPT-PLANTILLA.pptx
+++ b/Presentación Eva/PPT-PLANTILLA.pptx
@@ -9271,11 +9271,7 @@
           <a:p>
             <a:r>
               <a:rPr lang="es-ES_tradnl" sz="1400" dirty="0" smtClean="0"/>
-              <a:t>16</a:t>
-            </a:r>
-            <a:r>
-              <a:rPr lang="es-ES_tradnl" sz="1400" dirty="0" smtClean="0"/>
-              <a:t> of 20</a:t>
+              <a:t>16 of 20</a:t>
             </a:r>
             <a:endParaRPr lang="es-ES_tradnl" sz="1400" dirty="0"/>
           </a:p>
@@ -9919,11 +9915,7 @@
           <a:p>
             <a:r>
               <a:rPr lang="es-ES_tradnl" sz="1400" dirty="0" smtClean="0"/>
-              <a:t>17</a:t>
-            </a:r>
-            <a:r>
-              <a:rPr lang="es-ES_tradnl" sz="1400" dirty="0" smtClean="0"/>
-              <a:t> of 20</a:t>
+              <a:t>17 of 20</a:t>
             </a:r>
             <a:endParaRPr lang="es-ES_tradnl" sz="1400" dirty="0"/>
           </a:p>
@@ -10953,11 +10945,7 @@
           <a:p>
             <a:r>
               <a:rPr lang="es-ES_tradnl" sz="1400" dirty="0" smtClean="0"/>
-              <a:t>19 </a:t>
-            </a:r>
-            <a:r>
-              <a:rPr lang="es-ES_tradnl" sz="1400" dirty="0" smtClean="0"/>
-              <a:t>of 20</a:t>
+              <a:t>19 of 20</a:t>
             </a:r>
             <a:endParaRPr lang="es-ES_tradnl" sz="1400" dirty="0"/>
           </a:p>
@@ -11949,7 +11937,6 @@
               <a:rPr lang="es-ES_tradnl" dirty="0"/>
               <a:t>20</a:t>
             </a:r>
-            <a:endParaRPr lang="es-ES_tradnl" dirty="0"/>
           </a:p>
         </p:txBody>
       </p:sp>
@@ -12146,11 +12133,7 @@
             </a:fld>
             <a:r>
               <a:rPr lang="es-ES_tradnl" dirty="0" smtClean="0"/>
-              <a:t> of </a:t>
-            </a:r>
-            <a:r>
-              <a:rPr lang="es-ES_tradnl" dirty="0" smtClean="0"/>
-              <a:t>20</a:t>
+              <a:t> of 20</a:t>
             </a:r>
             <a:endParaRPr lang="es-ES_tradnl" dirty="0"/>
           </a:p>
@@ -16051,12 +16034,20 @@
           <a:lstStyle/>
           <a:p>
             <a:r>
+              <a:rPr lang="es-ES" dirty="0">
+                <a:solidFill>
+                  <a:schemeClr val="bg1"/>
+                </a:solidFill>
+              </a:rPr>
+              <a:t>2</a:t>
+            </a:r>
+            <a:r>
               <a:rPr lang="es-ES" dirty="0" smtClean="0">
                 <a:solidFill>
                   <a:schemeClr val="bg1"/>
                 </a:solidFill>
               </a:rPr>
-              <a:t>1000 </a:t>
+              <a:t>000 </a:t>
             </a:r>
             <a:r>
               <a:rPr lang="es-ES" dirty="0" err="1" smtClean="0">
